--- a/img/blog/pic.pptx
+++ b/img/blog/pic.pptx
@@ -154,10 +154,9 @@
           </a:lstStyle>
           <a:p>
             <a:r>
-              <a:rPr lang="zh-CN" altLang="en-US" smtClean="0"/>
+              <a:rPr lang="zh-CN" altLang="en-US"/>
               <a:t>单击此处编辑母版标题样式</a:t>
             </a:r>
-            <a:endParaRPr lang="zh-CN" altLang="en-US"/>
           </a:p>
         </p:txBody>
       </p:sp>
@@ -219,10 +218,9 @@
           </a:lstStyle>
           <a:p>
             <a:r>
-              <a:rPr lang="zh-CN" altLang="en-US" smtClean="0"/>
+              <a:rPr lang="zh-CN" altLang="en-US"/>
               <a:t>单击以编辑母版副标题样式</a:t>
             </a:r>
-            <a:endParaRPr lang="zh-CN" altLang="en-US"/>
           </a:p>
         </p:txBody>
       </p:sp>
@@ -243,7 +241,7 @@
           <a:p>
             <a:fld id="{A7EECA74-BBA8-4B40-877F-9E32300F1C56}" type="datetimeFigureOut">
               <a:rPr lang="zh-CN" altLang="en-US" smtClean="0"/>
-              <a:t>2019/9/4</a:t>
+              <a:t>2019/9/27</a:t>
             </a:fld>
             <a:endParaRPr lang="zh-CN" altLang="en-US"/>
           </a:p>
@@ -337,10 +335,9 @@
           <a:lstStyle/>
           <a:p>
             <a:r>
-              <a:rPr lang="zh-CN" altLang="en-US" smtClean="0"/>
+              <a:rPr lang="zh-CN" altLang="en-US"/>
               <a:t>单击此处编辑母版标题样式</a:t>
             </a:r>
-            <a:endParaRPr lang="zh-CN" altLang="en-US"/>
           </a:p>
         </p:txBody>
       </p:sp>
@@ -361,38 +358,37 @@
           <a:p>
             <a:pPr lvl="0"/>
             <a:r>
-              <a:rPr lang="zh-CN" altLang="en-US" smtClean="0"/>
+              <a:rPr lang="zh-CN" altLang="en-US"/>
               <a:t>编辑母版文本样式</a:t>
             </a:r>
           </a:p>
           <a:p>
             <a:pPr lvl="1"/>
             <a:r>
-              <a:rPr lang="zh-CN" altLang="en-US" smtClean="0"/>
+              <a:rPr lang="zh-CN" altLang="en-US"/>
               <a:t>第二级</a:t>
             </a:r>
           </a:p>
           <a:p>
             <a:pPr lvl="2"/>
             <a:r>
-              <a:rPr lang="zh-CN" altLang="en-US" smtClean="0"/>
+              <a:rPr lang="zh-CN" altLang="en-US"/>
               <a:t>第三级</a:t>
             </a:r>
           </a:p>
           <a:p>
             <a:pPr lvl="3"/>
             <a:r>
-              <a:rPr lang="zh-CN" altLang="en-US" smtClean="0"/>
+              <a:rPr lang="zh-CN" altLang="en-US"/>
               <a:t>第四级</a:t>
             </a:r>
           </a:p>
           <a:p>
             <a:pPr lvl="4"/>
             <a:r>
-              <a:rPr lang="zh-CN" altLang="en-US" smtClean="0"/>
+              <a:rPr lang="zh-CN" altLang="en-US"/>
               <a:t>第五级</a:t>
             </a:r>
-            <a:endParaRPr lang="zh-CN" altLang="en-US"/>
           </a:p>
         </p:txBody>
       </p:sp>
@@ -413,7 +409,7 @@
           <a:p>
             <a:fld id="{A7EECA74-BBA8-4B40-877F-9E32300F1C56}" type="datetimeFigureOut">
               <a:rPr lang="zh-CN" altLang="en-US" smtClean="0"/>
-              <a:t>2019/9/4</a:t>
+              <a:t>2019/9/27</a:t>
             </a:fld>
             <a:endParaRPr lang="zh-CN" altLang="en-US"/>
           </a:p>
@@ -512,10 +508,9 @@
           <a:lstStyle/>
           <a:p>
             <a:r>
-              <a:rPr lang="zh-CN" altLang="en-US" smtClean="0"/>
+              <a:rPr lang="zh-CN" altLang="en-US"/>
               <a:t>单击此处编辑母版标题样式</a:t>
             </a:r>
-            <a:endParaRPr lang="zh-CN" altLang="en-US"/>
           </a:p>
         </p:txBody>
       </p:sp>
@@ -541,38 +536,37 @@
           <a:p>
             <a:pPr lvl="0"/>
             <a:r>
-              <a:rPr lang="zh-CN" altLang="en-US" smtClean="0"/>
+              <a:rPr lang="zh-CN" altLang="en-US"/>
               <a:t>编辑母版文本样式</a:t>
             </a:r>
           </a:p>
           <a:p>
             <a:pPr lvl="1"/>
             <a:r>
-              <a:rPr lang="zh-CN" altLang="en-US" smtClean="0"/>
+              <a:rPr lang="zh-CN" altLang="en-US"/>
               <a:t>第二级</a:t>
             </a:r>
           </a:p>
           <a:p>
             <a:pPr lvl="2"/>
             <a:r>
-              <a:rPr lang="zh-CN" altLang="en-US" smtClean="0"/>
+              <a:rPr lang="zh-CN" altLang="en-US"/>
               <a:t>第三级</a:t>
             </a:r>
           </a:p>
           <a:p>
             <a:pPr lvl="3"/>
             <a:r>
-              <a:rPr lang="zh-CN" altLang="en-US" smtClean="0"/>
+              <a:rPr lang="zh-CN" altLang="en-US"/>
               <a:t>第四级</a:t>
             </a:r>
           </a:p>
           <a:p>
             <a:pPr lvl="4"/>
             <a:r>
-              <a:rPr lang="zh-CN" altLang="en-US" smtClean="0"/>
+              <a:rPr lang="zh-CN" altLang="en-US"/>
               <a:t>第五级</a:t>
             </a:r>
-            <a:endParaRPr lang="zh-CN" altLang="en-US"/>
           </a:p>
         </p:txBody>
       </p:sp>
@@ -593,7 +587,7 @@
           <a:p>
             <a:fld id="{A7EECA74-BBA8-4B40-877F-9E32300F1C56}" type="datetimeFigureOut">
               <a:rPr lang="zh-CN" altLang="en-US" smtClean="0"/>
-              <a:t>2019/9/4</a:t>
+              <a:t>2019/9/27</a:t>
             </a:fld>
             <a:endParaRPr lang="zh-CN" altLang="en-US"/>
           </a:p>
@@ -687,10 +681,9 @@
           <a:lstStyle/>
           <a:p>
             <a:r>
-              <a:rPr lang="zh-CN" altLang="en-US" smtClean="0"/>
+              <a:rPr lang="zh-CN" altLang="en-US"/>
               <a:t>单击此处编辑母版标题样式</a:t>
             </a:r>
-            <a:endParaRPr lang="zh-CN" altLang="en-US"/>
           </a:p>
         </p:txBody>
       </p:sp>
@@ -711,38 +704,37 @@
           <a:p>
             <a:pPr lvl="0"/>
             <a:r>
-              <a:rPr lang="zh-CN" altLang="en-US" smtClean="0"/>
+              <a:rPr lang="zh-CN" altLang="en-US"/>
               <a:t>编辑母版文本样式</a:t>
             </a:r>
           </a:p>
           <a:p>
             <a:pPr lvl="1"/>
             <a:r>
-              <a:rPr lang="zh-CN" altLang="en-US" smtClean="0"/>
+              <a:rPr lang="zh-CN" altLang="en-US"/>
               <a:t>第二级</a:t>
             </a:r>
           </a:p>
           <a:p>
             <a:pPr lvl="2"/>
             <a:r>
-              <a:rPr lang="zh-CN" altLang="en-US" smtClean="0"/>
+              <a:rPr lang="zh-CN" altLang="en-US"/>
               <a:t>第三级</a:t>
             </a:r>
           </a:p>
           <a:p>
             <a:pPr lvl="3"/>
             <a:r>
-              <a:rPr lang="zh-CN" altLang="en-US" smtClean="0"/>
+              <a:rPr lang="zh-CN" altLang="en-US"/>
               <a:t>第四级</a:t>
             </a:r>
           </a:p>
           <a:p>
             <a:pPr lvl="4"/>
             <a:r>
-              <a:rPr lang="zh-CN" altLang="en-US" smtClean="0"/>
+              <a:rPr lang="zh-CN" altLang="en-US"/>
               <a:t>第五级</a:t>
             </a:r>
-            <a:endParaRPr lang="zh-CN" altLang="en-US"/>
           </a:p>
         </p:txBody>
       </p:sp>
@@ -763,7 +755,7 @@
           <a:p>
             <a:fld id="{A7EECA74-BBA8-4B40-877F-9E32300F1C56}" type="datetimeFigureOut">
               <a:rPr lang="zh-CN" altLang="en-US" smtClean="0"/>
-              <a:t>2019/9/4</a:t>
+              <a:t>2019/9/27</a:t>
             </a:fld>
             <a:endParaRPr lang="zh-CN" altLang="en-US"/>
           </a:p>
@@ -866,10 +858,9 @@
           </a:lstStyle>
           <a:p>
             <a:r>
-              <a:rPr lang="zh-CN" altLang="en-US" smtClean="0"/>
+              <a:rPr lang="zh-CN" altLang="en-US"/>
               <a:t>单击此处编辑母版标题样式</a:t>
             </a:r>
-            <a:endParaRPr lang="zh-CN" altLang="en-US"/>
           </a:p>
         </p:txBody>
       </p:sp>
@@ -986,7 +977,7 @@
           <a:p>
             <a:pPr lvl="0"/>
             <a:r>
-              <a:rPr lang="zh-CN" altLang="en-US" smtClean="0"/>
+              <a:rPr lang="zh-CN" altLang="en-US"/>
               <a:t>编辑母版文本样式</a:t>
             </a:r>
           </a:p>
@@ -1009,7 +1000,7 @@
           <a:p>
             <a:fld id="{A7EECA74-BBA8-4B40-877F-9E32300F1C56}" type="datetimeFigureOut">
               <a:rPr lang="zh-CN" altLang="en-US" smtClean="0"/>
-              <a:t>2019/9/4</a:t>
+              <a:t>2019/9/27</a:t>
             </a:fld>
             <a:endParaRPr lang="zh-CN" altLang="en-US"/>
           </a:p>
@@ -1103,10 +1094,9 @@
           <a:lstStyle/>
           <a:p>
             <a:r>
-              <a:rPr lang="zh-CN" altLang="en-US" smtClean="0"/>
+              <a:rPr lang="zh-CN" altLang="en-US"/>
               <a:t>单击此处编辑母版标题样式</a:t>
             </a:r>
-            <a:endParaRPr lang="zh-CN" altLang="en-US"/>
           </a:p>
         </p:txBody>
       </p:sp>
@@ -1132,38 +1122,37 @@
           <a:p>
             <a:pPr lvl="0"/>
             <a:r>
-              <a:rPr lang="zh-CN" altLang="en-US" smtClean="0"/>
+              <a:rPr lang="zh-CN" altLang="en-US"/>
               <a:t>编辑母版文本样式</a:t>
             </a:r>
           </a:p>
           <a:p>
             <a:pPr lvl="1"/>
             <a:r>
-              <a:rPr lang="zh-CN" altLang="en-US" smtClean="0"/>
+              <a:rPr lang="zh-CN" altLang="en-US"/>
               <a:t>第二级</a:t>
             </a:r>
           </a:p>
           <a:p>
             <a:pPr lvl="2"/>
             <a:r>
-              <a:rPr lang="zh-CN" altLang="en-US" smtClean="0"/>
+              <a:rPr lang="zh-CN" altLang="en-US"/>
               <a:t>第三级</a:t>
             </a:r>
           </a:p>
           <a:p>
             <a:pPr lvl="3"/>
             <a:r>
-              <a:rPr lang="zh-CN" altLang="en-US" smtClean="0"/>
+              <a:rPr lang="zh-CN" altLang="en-US"/>
               <a:t>第四级</a:t>
             </a:r>
           </a:p>
           <a:p>
             <a:pPr lvl="4"/>
             <a:r>
-              <a:rPr lang="zh-CN" altLang="en-US" smtClean="0"/>
+              <a:rPr lang="zh-CN" altLang="en-US"/>
               <a:t>第五级</a:t>
             </a:r>
-            <a:endParaRPr lang="zh-CN" altLang="en-US"/>
           </a:p>
         </p:txBody>
       </p:sp>
@@ -1189,38 +1178,37 @@
           <a:p>
             <a:pPr lvl="0"/>
             <a:r>
-              <a:rPr lang="zh-CN" altLang="en-US" smtClean="0"/>
+              <a:rPr lang="zh-CN" altLang="en-US"/>
               <a:t>编辑母版文本样式</a:t>
             </a:r>
           </a:p>
           <a:p>
             <a:pPr lvl="1"/>
             <a:r>
-              <a:rPr lang="zh-CN" altLang="en-US" smtClean="0"/>
+              <a:rPr lang="zh-CN" altLang="en-US"/>
               <a:t>第二级</a:t>
             </a:r>
           </a:p>
           <a:p>
             <a:pPr lvl="2"/>
             <a:r>
-              <a:rPr lang="zh-CN" altLang="en-US" smtClean="0"/>
+              <a:rPr lang="zh-CN" altLang="en-US"/>
               <a:t>第三级</a:t>
             </a:r>
           </a:p>
           <a:p>
             <a:pPr lvl="3"/>
             <a:r>
-              <a:rPr lang="zh-CN" altLang="en-US" smtClean="0"/>
+              <a:rPr lang="zh-CN" altLang="en-US"/>
               <a:t>第四级</a:t>
             </a:r>
           </a:p>
           <a:p>
             <a:pPr lvl="4"/>
             <a:r>
-              <a:rPr lang="zh-CN" altLang="en-US" smtClean="0"/>
+              <a:rPr lang="zh-CN" altLang="en-US"/>
               <a:t>第五级</a:t>
             </a:r>
-            <a:endParaRPr lang="zh-CN" altLang="en-US"/>
           </a:p>
         </p:txBody>
       </p:sp>
@@ -1241,7 +1229,7 @@
           <a:p>
             <a:fld id="{A7EECA74-BBA8-4B40-877F-9E32300F1C56}" type="datetimeFigureOut">
               <a:rPr lang="zh-CN" altLang="en-US" smtClean="0"/>
-              <a:t>2019/9/4</a:t>
+              <a:t>2019/9/27</a:t>
             </a:fld>
             <a:endParaRPr lang="zh-CN" altLang="en-US"/>
           </a:p>
@@ -1340,10 +1328,9 @@
           <a:lstStyle/>
           <a:p>
             <a:r>
-              <a:rPr lang="zh-CN" altLang="en-US" smtClean="0"/>
+              <a:rPr lang="zh-CN" altLang="en-US"/>
               <a:t>单击此处编辑母版标题样式</a:t>
             </a:r>
-            <a:endParaRPr lang="zh-CN" altLang="en-US"/>
           </a:p>
         </p:txBody>
       </p:sp>
@@ -1406,7 +1393,7 @@
           <a:p>
             <a:pPr lvl="0"/>
             <a:r>
-              <a:rPr lang="zh-CN" altLang="en-US" smtClean="0"/>
+              <a:rPr lang="zh-CN" altLang="en-US"/>
               <a:t>编辑母版文本样式</a:t>
             </a:r>
           </a:p>
@@ -1434,38 +1421,37 @@
           <a:p>
             <a:pPr lvl="0"/>
             <a:r>
-              <a:rPr lang="zh-CN" altLang="en-US" smtClean="0"/>
+              <a:rPr lang="zh-CN" altLang="en-US"/>
               <a:t>编辑母版文本样式</a:t>
             </a:r>
           </a:p>
           <a:p>
             <a:pPr lvl="1"/>
             <a:r>
-              <a:rPr lang="zh-CN" altLang="en-US" smtClean="0"/>
+              <a:rPr lang="zh-CN" altLang="en-US"/>
               <a:t>第二级</a:t>
             </a:r>
           </a:p>
           <a:p>
             <a:pPr lvl="2"/>
             <a:r>
-              <a:rPr lang="zh-CN" altLang="en-US" smtClean="0"/>
+              <a:rPr lang="zh-CN" altLang="en-US"/>
               <a:t>第三级</a:t>
             </a:r>
           </a:p>
           <a:p>
             <a:pPr lvl="3"/>
             <a:r>
-              <a:rPr lang="zh-CN" altLang="en-US" smtClean="0"/>
+              <a:rPr lang="zh-CN" altLang="en-US"/>
               <a:t>第四级</a:t>
             </a:r>
           </a:p>
           <a:p>
             <a:pPr lvl="4"/>
             <a:r>
-              <a:rPr lang="zh-CN" altLang="en-US" smtClean="0"/>
+              <a:rPr lang="zh-CN" altLang="en-US"/>
               <a:t>第五级</a:t>
             </a:r>
-            <a:endParaRPr lang="zh-CN" altLang="en-US"/>
           </a:p>
         </p:txBody>
       </p:sp>
@@ -1528,7 +1514,7 @@
           <a:p>
             <a:pPr lvl="0"/>
             <a:r>
-              <a:rPr lang="zh-CN" altLang="en-US" smtClean="0"/>
+              <a:rPr lang="zh-CN" altLang="en-US"/>
               <a:t>编辑母版文本样式</a:t>
             </a:r>
           </a:p>
@@ -1556,38 +1542,37 @@
           <a:p>
             <a:pPr lvl="0"/>
             <a:r>
-              <a:rPr lang="zh-CN" altLang="en-US" smtClean="0"/>
+              <a:rPr lang="zh-CN" altLang="en-US"/>
               <a:t>编辑母版文本样式</a:t>
             </a:r>
           </a:p>
           <a:p>
             <a:pPr lvl="1"/>
             <a:r>
-              <a:rPr lang="zh-CN" altLang="en-US" smtClean="0"/>
+              <a:rPr lang="zh-CN" altLang="en-US"/>
               <a:t>第二级</a:t>
             </a:r>
           </a:p>
           <a:p>
             <a:pPr lvl="2"/>
             <a:r>
-              <a:rPr lang="zh-CN" altLang="en-US" smtClean="0"/>
+              <a:rPr lang="zh-CN" altLang="en-US"/>
               <a:t>第三级</a:t>
             </a:r>
           </a:p>
           <a:p>
             <a:pPr lvl="3"/>
             <a:r>
-              <a:rPr lang="zh-CN" altLang="en-US" smtClean="0"/>
+              <a:rPr lang="zh-CN" altLang="en-US"/>
               <a:t>第四级</a:t>
             </a:r>
           </a:p>
           <a:p>
             <a:pPr lvl="4"/>
             <a:r>
-              <a:rPr lang="zh-CN" altLang="en-US" smtClean="0"/>
+              <a:rPr lang="zh-CN" altLang="en-US"/>
               <a:t>第五级</a:t>
             </a:r>
-            <a:endParaRPr lang="zh-CN" altLang="en-US"/>
           </a:p>
         </p:txBody>
       </p:sp>
@@ -1608,7 +1593,7 @@
           <a:p>
             <a:fld id="{A7EECA74-BBA8-4B40-877F-9E32300F1C56}" type="datetimeFigureOut">
               <a:rPr lang="zh-CN" altLang="en-US" smtClean="0"/>
-              <a:t>2019/9/4</a:t>
+              <a:t>2019/9/27</a:t>
             </a:fld>
             <a:endParaRPr lang="zh-CN" altLang="en-US"/>
           </a:p>
@@ -1702,10 +1687,9 @@
           <a:lstStyle/>
           <a:p>
             <a:r>
-              <a:rPr lang="zh-CN" altLang="en-US" smtClean="0"/>
+              <a:rPr lang="zh-CN" altLang="en-US"/>
               <a:t>单击此处编辑母版标题样式</a:t>
             </a:r>
-            <a:endParaRPr lang="zh-CN" altLang="en-US"/>
           </a:p>
         </p:txBody>
       </p:sp>
@@ -1726,7 +1710,7 @@
           <a:p>
             <a:fld id="{A7EECA74-BBA8-4B40-877F-9E32300F1C56}" type="datetimeFigureOut">
               <a:rPr lang="zh-CN" altLang="en-US" smtClean="0"/>
-              <a:t>2019/9/4</a:t>
+              <a:t>2019/9/27</a:t>
             </a:fld>
             <a:endParaRPr lang="zh-CN" altLang="en-US"/>
           </a:p>
@@ -1821,7 +1805,7 @@
           <a:p>
             <a:fld id="{A7EECA74-BBA8-4B40-877F-9E32300F1C56}" type="datetimeFigureOut">
               <a:rPr lang="zh-CN" altLang="en-US" smtClean="0"/>
-              <a:t>2019/9/4</a:t>
+              <a:t>2019/9/27</a:t>
             </a:fld>
             <a:endParaRPr lang="zh-CN" altLang="en-US"/>
           </a:p>
@@ -1924,10 +1908,9 @@
           </a:lstStyle>
           <a:p>
             <a:r>
-              <a:rPr lang="zh-CN" altLang="en-US" smtClean="0"/>
+              <a:rPr lang="zh-CN" altLang="en-US"/>
               <a:t>单击此处编辑母版标题样式</a:t>
             </a:r>
-            <a:endParaRPr lang="zh-CN" altLang="en-US"/>
           </a:p>
         </p:txBody>
       </p:sp>
@@ -1981,38 +1964,37 @@
           <a:p>
             <a:pPr lvl="0"/>
             <a:r>
-              <a:rPr lang="zh-CN" altLang="en-US" smtClean="0"/>
+              <a:rPr lang="zh-CN" altLang="en-US"/>
               <a:t>编辑母版文本样式</a:t>
             </a:r>
           </a:p>
           <a:p>
             <a:pPr lvl="1"/>
             <a:r>
-              <a:rPr lang="zh-CN" altLang="en-US" smtClean="0"/>
+              <a:rPr lang="zh-CN" altLang="en-US"/>
               <a:t>第二级</a:t>
             </a:r>
           </a:p>
           <a:p>
             <a:pPr lvl="2"/>
             <a:r>
-              <a:rPr lang="zh-CN" altLang="en-US" smtClean="0"/>
+              <a:rPr lang="zh-CN" altLang="en-US"/>
               <a:t>第三级</a:t>
             </a:r>
           </a:p>
           <a:p>
             <a:pPr lvl="3"/>
             <a:r>
-              <a:rPr lang="zh-CN" altLang="en-US" smtClean="0"/>
+              <a:rPr lang="zh-CN" altLang="en-US"/>
               <a:t>第四级</a:t>
             </a:r>
           </a:p>
           <a:p>
             <a:pPr lvl="4"/>
             <a:r>
-              <a:rPr lang="zh-CN" altLang="en-US" smtClean="0"/>
+              <a:rPr lang="zh-CN" altLang="en-US"/>
               <a:t>第五级</a:t>
             </a:r>
-            <a:endParaRPr lang="zh-CN" altLang="en-US"/>
           </a:p>
         </p:txBody>
       </p:sp>
@@ -2075,7 +2057,7 @@
           <a:p>
             <a:pPr lvl="0"/>
             <a:r>
-              <a:rPr lang="zh-CN" altLang="en-US" smtClean="0"/>
+              <a:rPr lang="zh-CN" altLang="en-US"/>
               <a:t>编辑母版文本样式</a:t>
             </a:r>
           </a:p>
@@ -2098,7 +2080,7 @@
           <a:p>
             <a:fld id="{A7EECA74-BBA8-4B40-877F-9E32300F1C56}" type="datetimeFigureOut">
               <a:rPr lang="zh-CN" altLang="en-US" smtClean="0"/>
-              <a:t>2019/9/4</a:t>
+              <a:t>2019/9/27</a:t>
             </a:fld>
             <a:endParaRPr lang="zh-CN" altLang="en-US"/>
           </a:p>
@@ -2201,10 +2183,9 @@
           </a:lstStyle>
           <a:p>
             <a:r>
-              <a:rPr lang="zh-CN" altLang="en-US" smtClean="0"/>
+              <a:rPr lang="zh-CN" altLang="en-US"/>
               <a:t>单击此处编辑母版标题样式</a:t>
             </a:r>
-            <a:endParaRPr lang="zh-CN" altLang="en-US"/>
           </a:p>
         </p:txBody>
       </p:sp>
@@ -2328,7 +2309,7 @@
           <a:p>
             <a:pPr lvl="0"/>
             <a:r>
-              <a:rPr lang="zh-CN" altLang="en-US" smtClean="0"/>
+              <a:rPr lang="zh-CN" altLang="en-US"/>
               <a:t>编辑母版文本样式</a:t>
             </a:r>
           </a:p>
@@ -2351,7 +2332,7 @@
           <a:p>
             <a:fld id="{A7EECA74-BBA8-4B40-877F-9E32300F1C56}" type="datetimeFigureOut">
               <a:rPr lang="zh-CN" altLang="en-US" smtClean="0"/>
-              <a:t>2019/9/4</a:t>
+              <a:t>2019/9/27</a:t>
             </a:fld>
             <a:endParaRPr lang="zh-CN" altLang="en-US"/>
           </a:p>
@@ -2460,10 +2441,9 @@
           <a:lstStyle/>
           <a:p>
             <a:r>
-              <a:rPr lang="zh-CN" altLang="en-US" smtClean="0"/>
+              <a:rPr lang="zh-CN" altLang="en-US"/>
               <a:t>单击此处编辑母版标题样式</a:t>
             </a:r>
-            <a:endParaRPr lang="zh-CN" altLang="en-US"/>
           </a:p>
         </p:txBody>
       </p:sp>
@@ -2494,38 +2474,37 @@
           <a:p>
             <a:pPr lvl="0"/>
             <a:r>
-              <a:rPr lang="zh-CN" altLang="en-US" smtClean="0"/>
+              <a:rPr lang="zh-CN" altLang="en-US"/>
               <a:t>编辑母版文本样式</a:t>
             </a:r>
           </a:p>
           <a:p>
             <a:pPr lvl="1"/>
             <a:r>
-              <a:rPr lang="zh-CN" altLang="en-US" smtClean="0"/>
+              <a:rPr lang="zh-CN" altLang="en-US"/>
               <a:t>第二级</a:t>
             </a:r>
           </a:p>
           <a:p>
             <a:pPr lvl="2"/>
             <a:r>
-              <a:rPr lang="zh-CN" altLang="en-US" smtClean="0"/>
+              <a:rPr lang="zh-CN" altLang="en-US"/>
               <a:t>第三级</a:t>
             </a:r>
           </a:p>
           <a:p>
             <a:pPr lvl="3"/>
             <a:r>
-              <a:rPr lang="zh-CN" altLang="en-US" smtClean="0"/>
+              <a:rPr lang="zh-CN" altLang="en-US"/>
               <a:t>第四级</a:t>
             </a:r>
           </a:p>
           <a:p>
             <a:pPr lvl="4"/>
             <a:r>
-              <a:rPr lang="zh-CN" altLang="en-US" smtClean="0"/>
+              <a:rPr lang="zh-CN" altLang="en-US"/>
               <a:t>第五级</a:t>
             </a:r>
-            <a:endParaRPr lang="zh-CN" altLang="en-US"/>
           </a:p>
         </p:txBody>
       </p:sp>
@@ -2564,7 +2543,7 @@
           <a:p>
             <a:fld id="{A7EECA74-BBA8-4B40-877F-9E32300F1C56}" type="datetimeFigureOut">
               <a:rPr lang="zh-CN" altLang="en-US" smtClean="0"/>
-              <a:t>2019/9/4</a:t>
+              <a:t>2019/9/27</a:t>
             </a:fld>
             <a:endParaRPr lang="zh-CN" altLang="en-US"/>
           </a:p>
@@ -2977,7 +2956,7 @@
         </p:nvSpPr>
         <p:spPr>
           <a:xfrm>
-            <a:off x="-766618" y="-567158"/>
+            <a:off x="-692727" y="-529541"/>
             <a:ext cx="12884727" cy="7917082"/>
           </a:xfrm>
           <a:prstGeom prst="rect">
@@ -3072,7 +3051,7 @@
         </p:blipFill>
         <p:spPr>
           <a:xfrm>
-            <a:off x="0" y="0"/>
+            <a:off x="425003" y="-224214"/>
             <a:ext cx="11213499" cy="6858000"/>
           </a:xfrm>
           <a:prstGeom prst="rect">
@@ -3088,7 +3067,7 @@
         </p:nvSpPr>
         <p:spPr>
           <a:xfrm>
-            <a:off x="0" y="2742993"/>
+            <a:off x="425004" y="2742993"/>
             <a:ext cx="11213499" cy="1533940"/>
           </a:xfrm>
           <a:prstGeom prst="rect">
@@ -3141,8 +3120,8 @@
         </p:nvSpPr>
         <p:spPr>
           <a:xfrm>
-            <a:off x="4487692" y="2696955"/>
-            <a:ext cx="2238113" cy="1015663"/>
+            <a:off x="4912696" y="2696955"/>
+            <a:ext cx="2710999" cy="1015663"/>
           </a:xfrm>
           <a:prstGeom prst="rect">
             <a:avLst/>
@@ -3156,11 +3135,11 @@
           <a:lstStyle/>
           <a:p>
             <a:r>
-              <a:rPr lang="en-US" altLang="zh-CN" sz="6000" b="1" dirty="0" smtClean="0">
+              <a:rPr lang="en-US" altLang="zh-CN" sz="6000" b="1" dirty="0">
                 <a:latin typeface="Calibri" panose="020F0502020204030204" pitchFamily="34" charset="0"/>
                 <a:cs typeface="Calibri" panose="020F0502020204030204" pitchFamily="34" charset="0"/>
               </a:rPr>
-              <a:t>Armor</a:t>
+              <a:t>ARMOR</a:t>
             </a:r>
             <a:endParaRPr lang="zh-CN" altLang="en-US" sz="6000" b="1" dirty="0">
               <a:latin typeface="Calibri" panose="020F0502020204030204" pitchFamily="34" charset="0"/>
@@ -3177,8 +3156,8 @@
         </p:nvSpPr>
         <p:spPr>
           <a:xfrm>
-            <a:off x="2784189" y="3697927"/>
-            <a:ext cx="5437707" cy="400110"/>
+            <a:off x="4451992" y="3693392"/>
+            <a:ext cx="3632405" cy="400110"/>
           </a:xfrm>
           <a:prstGeom prst="rect">
             <a:avLst/>
@@ -3193,12 +3172,48 @@
           <a:p>
             <a:r>
               <a:rPr lang="en-US" altLang="zh-CN" sz="2000" dirty="0">
-                <a:latin typeface="Bahnschrift" panose="020B0502040204020203" pitchFamily="34" charset="0"/>
+                <a:latin typeface="Calibri" panose="020F0502020204030204" pitchFamily="34" charset="0"/>
+                <a:ea typeface="DengXian" panose="02010600030101010101" pitchFamily="2" charset="-122"/>
+                <a:cs typeface="Calibri" panose="020F0502020204030204" pitchFamily="34" charset="0"/>
               </a:rPr>
-              <a:t>App Review Mining powered by AI techniques.</a:t>
+              <a:t>App Review Mining</a:t>
+            </a:r>
+            <a:r>
+              <a:rPr lang="zh-CN" altLang="en-US" sz="2000" dirty="0">
+                <a:latin typeface="Calibri" panose="020F0502020204030204" pitchFamily="34" charset="0"/>
+                <a:ea typeface="DengXian" panose="02010600030101010101" pitchFamily="2" charset="-122"/>
+                <a:cs typeface="Calibri" panose="020F0502020204030204" pitchFamily="34" charset="0"/>
+              </a:rPr>
+              <a:t> </a:t>
+            </a:r>
+            <a:r>
+              <a:rPr lang="en-US" altLang="zh-CN" sz="2000" dirty="0">
+                <a:latin typeface="Calibri" panose="020F0502020204030204" pitchFamily="34" charset="0"/>
+                <a:ea typeface="DengXian" panose="02010600030101010101" pitchFamily="2" charset="-122"/>
+                <a:cs typeface="Calibri" panose="020F0502020204030204" pitchFamily="34" charset="0"/>
+              </a:rPr>
+              <a:t>On</a:t>
+            </a:r>
+            <a:r>
+              <a:rPr lang="zh-CN" altLang="en-US" sz="2000" dirty="0">
+                <a:latin typeface="Calibri" panose="020F0502020204030204" pitchFamily="34" charset="0"/>
+                <a:ea typeface="DengXian" panose="02010600030101010101" pitchFamily="2" charset="-122"/>
+                <a:cs typeface="Calibri" panose="020F0502020204030204" pitchFamily="34" charset="0"/>
+              </a:rPr>
+              <a:t> </a:t>
+            </a:r>
+            <a:r>
+              <a:rPr lang="en-US" altLang="zh-CN" sz="2000" dirty="0">
+                <a:latin typeface="Calibri" panose="020F0502020204030204" pitchFamily="34" charset="0"/>
+                <a:ea typeface="DengXian" panose="02010600030101010101" pitchFamily="2" charset="-122"/>
+                <a:cs typeface="Calibri" panose="020F0502020204030204" pitchFamily="34" charset="0"/>
+              </a:rPr>
+              <a:t>Reliability</a:t>
             </a:r>
             <a:endParaRPr lang="zh-CN" altLang="en-US" sz="2000" dirty="0">
-              <a:latin typeface="Bahnschrift" panose="020B0502040204020203" pitchFamily="34" charset="0"/>
+              <a:latin typeface="Calibri" panose="020F0502020204030204" pitchFamily="34" charset="0"/>
+              <a:ea typeface="DengXian" panose="02010600030101010101" pitchFamily="2" charset="-122"/>
+              <a:cs typeface="Calibri" panose="020F0502020204030204" pitchFamily="34" charset="0"/>
             </a:endParaRPr>
           </a:p>
         </p:txBody>
@@ -3213,13 +3228,6 @@
   <p:clrMapOvr>
     <a:masterClrMapping/>
   </p:clrMapOvr>
-  <p:timing>
-    <p:tnLst>
-      <p:par>
-        <p:cTn id="1" dur="indefinite" restart="never" nodeType="tmRoot"/>
-      </p:par>
-    </p:tnLst>
-  </p:timing>
 </p:sld>
 </file>
 
